--- a/demo_site/files/slides/lecture4_analysis2_pqs.pptx
+++ b/demo_site/files/slides/lecture4_analysis2_pqs.pptx
@@ -5,7 +5,7 @@
     <p:sldMasterId id="2147483648" r:id="rId1"/>
   </p:sldMasterIdLst>
   <p:notesMasterIdLst>
-    <p:notesMasterId r:id="rId31"/>
+    <p:notesMasterId r:id="rId30"/>
   </p:notesMasterIdLst>
   <p:sldIdLst>
     <p:sldId id="256" r:id="rId2"/>
@@ -28,22 +28,21 @@
     <p:sldId id="413" r:id="rId19"/>
     <p:sldId id="414" r:id="rId20"/>
     <p:sldId id="415" r:id="rId21"/>
-    <p:sldId id="416" r:id="rId22"/>
-    <p:sldId id="417" r:id="rId23"/>
-    <p:sldId id="453" r:id="rId24"/>
-    <p:sldId id="454" r:id="rId25"/>
-    <p:sldId id="421" r:id="rId26"/>
-    <p:sldId id="418" r:id="rId27"/>
-    <p:sldId id="420" r:id="rId28"/>
-    <p:sldId id="423" r:id="rId29"/>
-    <p:sldId id="424" r:id="rId30"/>
+    <p:sldId id="417" r:id="rId22"/>
+    <p:sldId id="453" r:id="rId23"/>
+    <p:sldId id="454" r:id="rId24"/>
+    <p:sldId id="421" r:id="rId25"/>
+    <p:sldId id="418" r:id="rId26"/>
+    <p:sldId id="420" r:id="rId27"/>
+    <p:sldId id="423" r:id="rId28"/>
+    <p:sldId id="424" r:id="rId29"/>
   </p:sldIdLst>
   <p:sldSz cx="12192000" cy="6858000"/>
   <p:notesSz cx="6858000" cy="9144000"/>
   <p:embeddedFontLst>
     <p:embeddedFont>
       <p:font typeface="Cambria Math" panose="02040503050406030204" pitchFamily="18" charset="0"/>
-      <p:regular r:id="rId32"/>
+      <p:regular r:id="rId31"/>
     </p:embeddedFont>
   </p:embeddedFontLst>
   <p:defaultTextStyle>
@@ -3934,8 +3933,8 @@
           </a:p>
         </p:txBody>
       </p:sp>
-      <mc:AlternateContent xmlns:mc="http://schemas.openxmlformats.org/markup-compatibility/2006" xmlns:a14="http://schemas.microsoft.com/office/drawing/2010/main">
-        <mc:Choice Requires="a14">
+      <mc:AlternateContent xmlns:mc="http://schemas.openxmlformats.org/markup-compatibility/2006">
+        <mc:Choice xmlns:a14="http://schemas.microsoft.com/office/drawing/2010/main" Requires="a14">
           <p:sp>
             <p:nvSpPr>
               <p:cNvPr id="3" name="Content Placeholder 2"/>
@@ -4276,438 +4275,7 @@
                   <a:rPr lang="en-US" b="1" dirty="0"/>
                   <a:t>Proof: 	</a:t>
                 </a:r>
-                <a:r>
-                  <a:rPr lang="en-US" dirty="0"/>
-                  <a:t>let </a:t>
-                </a:r>
-                <a14:m>
-                  <m:oMath xmlns:m="http://schemas.openxmlformats.org/officeDocument/2006/math">
-                    <m:r>
-                      <a:rPr lang="en-US" b="0" i="1" smtClean="0">
-                        <a:latin typeface="Cambria Math" panose="02040503050406030204" pitchFamily="18" charset="0"/>
-                      </a:rPr>
-                      <m:t>𝑐</m:t>
-                    </m:r>
-                    <m:r>
-                      <a:rPr lang="en-US" b="0" i="1" smtClean="0">
-                        <a:latin typeface="Cambria Math" panose="02040503050406030204" pitchFamily="18" charset="0"/>
-                      </a:rPr>
-                      <m:t>=12</m:t>
-                    </m:r>
-                  </m:oMath>
-                </a14:m>
-                <a:r>
-                  <a:rPr lang="en-US" dirty="0"/>
-                  <a:t> and </a:t>
-                </a:r>
-                <a14:m>
-                  <m:oMath xmlns:m="http://schemas.openxmlformats.org/officeDocument/2006/math">
-                    <m:sSub>
-                      <m:sSubPr>
-                        <m:ctrlPr>
-                          <a:rPr lang="en-US" b="0" i="1" smtClean="0">
-                            <a:latin typeface="Cambria Math" panose="02040503050406030204" pitchFamily="18" charset="0"/>
-                          </a:rPr>
-                        </m:ctrlPr>
-                      </m:sSubPr>
-                      <m:e>
-                        <m:r>
-                          <a:rPr lang="en-US" b="0" i="1" smtClean="0">
-                            <a:latin typeface="Cambria Math" panose="02040503050406030204" pitchFamily="18" charset="0"/>
-                          </a:rPr>
-                          <m:t>𝑛</m:t>
-                        </m:r>
-                      </m:e>
-                      <m:sub>
-                        <m:r>
-                          <a:rPr lang="en-US" b="0" i="1" smtClean="0">
-                            <a:latin typeface="Cambria Math" panose="02040503050406030204" pitchFamily="18" charset="0"/>
-                          </a:rPr>
-                          <m:t>0</m:t>
-                        </m:r>
-                      </m:sub>
-                    </m:sSub>
-                    <m:r>
-                      <a:rPr lang="en-US" b="0" i="1" smtClean="0">
-                        <a:latin typeface="Cambria Math" panose="02040503050406030204" pitchFamily="18" charset="0"/>
-                      </a:rPr>
-                      <m:t>=50</m:t>
-                    </m:r>
-                  </m:oMath>
-                </a14:m>
-                <a:r>
-                  <a:rPr lang="en-US" dirty="0"/>
-                  <a:t>. Show </a:t>
-                </a:r>
-                <a14:m>
-                  <m:oMath xmlns:m="http://schemas.openxmlformats.org/officeDocument/2006/math">
-                    <m:r>
-                      <a:rPr lang="en-US" b="0" i="1" smtClean="0">
-                        <a:latin typeface="Cambria Math" panose="02040503050406030204" pitchFamily="18" charset="0"/>
-                      </a:rPr>
-                      <m:t>∀</m:t>
-                    </m:r>
-                    <m:r>
-                      <a:rPr lang="en-US" b="0" i="1" smtClean="0">
-                        <a:latin typeface="Cambria Math" panose="02040503050406030204" pitchFamily="18" charset="0"/>
-                      </a:rPr>
-                      <m:t>𝑛</m:t>
-                    </m:r>
-                    <m:r>
-                      <a:rPr lang="en-US" b="0" i="1" smtClean="0">
-                        <a:latin typeface="Cambria Math" panose="02040503050406030204" pitchFamily="18" charset="0"/>
-                      </a:rPr>
-                      <m:t>≥50. 13</m:t>
-                    </m:r>
-                    <m:sSup>
-                      <m:sSupPr>
-                        <m:ctrlPr>
-                          <a:rPr lang="en-US" b="0" i="1" smtClean="0">
-                            <a:latin typeface="Cambria Math" panose="02040503050406030204" pitchFamily="18" charset="0"/>
-                          </a:rPr>
-                        </m:ctrlPr>
-                      </m:sSupPr>
-                      <m:e>
-                        <m:r>
-                          <a:rPr lang="en-US" b="0" i="1" smtClean="0">
-                            <a:latin typeface="Cambria Math" panose="02040503050406030204" pitchFamily="18" charset="0"/>
-                          </a:rPr>
-                          <m:t>𝑛</m:t>
-                        </m:r>
-                      </m:e>
-                      <m:sup>
-                        <m:r>
-                          <a:rPr lang="en-US" b="0" i="1" smtClean="0">
-                            <a:latin typeface="Cambria Math" panose="02040503050406030204" pitchFamily="18" charset="0"/>
-                          </a:rPr>
-                          <m:t>2</m:t>
-                        </m:r>
-                      </m:sup>
-                    </m:sSup>
-                    <m:r>
-                      <a:rPr lang="en-US" b="0" i="1" smtClean="0">
-                        <a:latin typeface="Cambria Math" panose="02040503050406030204" pitchFamily="18" charset="0"/>
-                      </a:rPr>
-                      <m:t>−50</m:t>
-                    </m:r>
-                    <m:r>
-                      <a:rPr lang="en-US" b="0" i="1" smtClean="0">
-                        <a:latin typeface="Cambria Math" panose="02040503050406030204" pitchFamily="18" charset="0"/>
-                      </a:rPr>
-                      <m:t>𝑛</m:t>
-                    </m:r>
-                    <m:r>
-                      <a:rPr lang="en-US" b="0" i="1" smtClean="0">
-                        <a:latin typeface="Cambria Math" panose="02040503050406030204" pitchFamily="18" charset="0"/>
-                      </a:rPr>
-                      <m:t>≥12</m:t>
-                    </m:r>
-                    <m:sSup>
-                      <m:sSupPr>
-                        <m:ctrlPr>
-                          <a:rPr lang="en-US" b="0" i="1" smtClean="0">
-                            <a:latin typeface="Cambria Math" panose="02040503050406030204" pitchFamily="18" charset="0"/>
-                          </a:rPr>
-                        </m:ctrlPr>
-                      </m:sSupPr>
-                      <m:e>
-                        <m:r>
-                          <a:rPr lang="en-US" b="0" i="1" smtClean="0">
-                            <a:latin typeface="Cambria Math" panose="02040503050406030204" pitchFamily="18" charset="0"/>
-                          </a:rPr>
-                          <m:t>𝑛</m:t>
-                        </m:r>
-                      </m:e>
-                      <m:sup>
-                        <m:r>
-                          <a:rPr lang="en-US" b="0" i="1" smtClean="0">
-                            <a:latin typeface="Cambria Math" panose="02040503050406030204" pitchFamily="18" charset="0"/>
-                          </a:rPr>
-                          <m:t>2</m:t>
-                        </m:r>
-                      </m:sup>
-                    </m:sSup>
-                  </m:oMath>
-                </a14:m>
                 <a:endParaRPr lang="en-US" dirty="0"/>
-              </a:p>
-              <a:p>
-                <a:pPr marL="457200" lvl="1" indent="0">
-                  <a:buNone/>
-                </a:pPr>
-                <a:r>
-                  <a:rPr lang="en-US" dirty="0"/>
-                  <a:t>                    </a:t>
-                </a:r>
-                <a14:m>
-                  <m:oMath xmlns:m="http://schemas.openxmlformats.org/officeDocument/2006/math">
-                    <m:r>
-                      <a:rPr lang="en-US" b="0" i="1" smtClean="0">
-                        <a:latin typeface="Cambria Math" panose="02040503050406030204" pitchFamily="18" charset="0"/>
-                      </a:rPr>
-                      <m:t>13</m:t>
-                    </m:r>
-                    <m:sSup>
-                      <m:sSupPr>
-                        <m:ctrlPr>
-                          <a:rPr lang="en-US" b="0" i="1" smtClean="0">
-                            <a:latin typeface="Cambria Math" panose="02040503050406030204" pitchFamily="18" charset="0"/>
-                          </a:rPr>
-                        </m:ctrlPr>
-                      </m:sSupPr>
-                      <m:e>
-                        <m:r>
-                          <a:rPr lang="en-US" b="0" i="1" smtClean="0">
-                            <a:latin typeface="Cambria Math" panose="02040503050406030204" pitchFamily="18" charset="0"/>
-                          </a:rPr>
-                          <m:t>𝑛</m:t>
-                        </m:r>
-                      </m:e>
-                      <m:sup>
-                        <m:r>
-                          <a:rPr lang="en-US" b="0" i="1" smtClean="0">
-                            <a:latin typeface="Cambria Math" panose="02040503050406030204" pitchFamily="18" charset="0"/>
-                          </a:rPr>
-                          <m:t>2</m:t>
-                        </m:r>
-                      </m:sup>
-                    </m:sSup>
-                    <m:r>
-                      <a:rPr lang="en-US" b="0" i="1" smtClean="0">
-                        <a:latin typeface="Cambria Math" panose="02040503050406030204" pitchFamily="18" charset="0"/>
-                      </a:rPr>
-                      <m:t>−50</m:t>
-                    </m:r>
-                    <m:r>
-                      <a:rPr lang="en-US" b="0" i="1" smtClean="0">
-                        <a:latin typeface="Cambria Math" panose="02040503050406030204" pitchFamily="18" charset="0"/>
-                      </a:rPr>
-                      <m:t>𝑛</m:t>
-                    </m:r>
-                    <m:r>
-                      <a:rPr lang="en-US" b="0" i="1" smtClean="0">
-                        <a:latin typeface="Cambria Math" panose="02040503050406030204" pitchFamily="18" charset="0"/>
-                      </a:rPr>
-                      <m:t>≥12</m:t>
-                    </m:r>
-                    <m:sSup>
-                      <m:sSupPr>
-                        <m:ctrlPr>
-                          <a:rPr lang="en-US" b="0" i="1" smtClean="0">
-                            <a:latin typeface="Cambria Math" panose="02040503050406030204" pitchFamily="18" charset="0"/>
-                          </a:rPr>
-                        </m:ctrlPr>
-                      </m:sSupPr>
-                      <m:e>
-                        <m:r>
-                          <a:rPr lang="en-US" b="0" i="1" smtClean="0">
-                            <a:latin typeface="Cambria Math" panose="02040503050406030204" pitchFamily="18" charset="0"/>
-                          </a:rPr>
-                          <m:t>𝑛</m:t>
-                        </m:r>
-                      </m:e>
-                      <m:sup>
-                        <m:r>
-                          <a:rPr lang="en-US" b="0" i="1" smtClean="0">
-                            <a:latin typeface="Cambria Math" panose="02040503050406030204" pitchFamily="18" charset="0"/>
-                          </a:rPr>
-                          <m:t>2</m:t>
-                        </m:r>
-                      </m:sup>
-                    </m:sSup>
-                  </m:oMath>
-                </a14:m>
-                <a:endParaRPr lang="en-US" dirty="0"/>
-              </a:p>
-              <a:p>
-                <a:pPr marL="457200" lvl="1" indent="0">
-                  <a:buNone/>
-                </a:pPr>
-                <a:r>
-                  <a:rPr lang="en-US" dirty="0"/>
-                  <a:t>                </a:t>
-                </a:r>
-                <a14:m>
-                  <m:oMath xmlns:m="http://schemas.openxmlformats.org/officeDocument/2006/math">
-                    <m:r>
-                      <a:rPr lang="en-US" b="0" i="1" smtClean="0">
-                        <a:latin typeface="Cambria Math" panose="02040503050406030204" pitchFamily="18" charset="0"/>
-                      </a:rPr>
-                      <m:t>≡</m:t>
-                    </m:r>
-                    <m:sSup>
-                      <m:sSupPr>
-                        <m:ctrlPr>
-                          <a:rPr lang="en-US" b="0" i="1" smtClean="0">
-                            <a:latin typeface="Cambria Math" panose="02040503050406030204" pitchFamily="18" charset="0"/>
-                          </a:rPr>
-                        </m:ctrlPr>
-                      </m:sSupPr>
-                      <m:e>
-                        <m:r>
-                          <a:rPr lang="en-US" b="0" i="1" smtClean="0">
-                            <a:latin typeface="Cambria Math" panose="02040503050406030204" pitchFamily="18" charset="0"/>
-                          </a:rPr>
-                          <m:t>𝑛</m:t>
-                        </m:r>
-                      </m:e>
-                      <m:sup>
-                        <m:r>
-                          <a:rPr lang="en-US" b="0" i="1" smtClean="0">
-                            <a:latin typeface="Cambria Math" panose="02040503050406030204" pitchFamily="18" charset="0"/>
-                          </a:rPr>
-                          <m:t>2</m:t>
-                        </m:r>
-                      </m:sup>
-                    </m:sSup>
-                    <m:r>
-                      <a:rPr lang="en-US" b="0" i="1" smtClean="0">
-                        <a:latin typeface="Cambria Math" panose="02040503050406030204" pitchFamily="18" charset="0"/>
-                      </a:rPr>
-                      <m:t>−50</m:t>
-                    </m:r>
-                    <m:r>
-                      <a:rPr lang="en-US" b="0" i="1" smtClean="0">
-                        <a:latin typeface="Cambria Math" panose="02040503050406030204" pitchFamily="18" charset="0"/>
-                      </a:rPr>
-                      <m:t>𝑛</m:t>
-                    </m:r>
-                    <m:r>
-                      <a:rPr lang="en-US" b="0" i="1" smtClean="0">
-                        <a:latin typeface="Cambria Math" panose="02040503050406030204" pitchFamily="18" charset="0"/>
-                      </a:rPr>
-                      <m:t>≥0</m:t>
-                    </m:r>
-                  </m:oMath>
-                </a14:m>
-                <a:endParaRPr lang="en-US" dirty="0"/>
-              </a:p>
-              <a:p>
-                <a:pPr marL="457200" lvl="1" indent="0">
-                  <a:buNone/>
-                </a:pPr>
-                <a:r>
-                  <a:rPr lang="en-US" dirty="0"/>
-                  <a:t>                </a:t>
-                </a:r>
-                <a14:m>
-                  <m:oMath xmlns:m="http://schemas.openxmlformats.org/officeDocument/2006/math">
-                    <m:r>
-                      <a:rPr lang="en-US" b="0" i="1" smtClean="0">
-                        <a:latin typeface="Cambria Math" panose="02040503050406030204" pitchFamily="18" charset="0"/>
-                      </a:rPr>
-                      <m:t>≡</m:t>
-                    </m:r>
-                    <m:sSup>
-                      <m:sSupPr>
-                        <m:ctrlPr>
-                          <a:rPr lang="en-US" b="0" i="1" smtClean="0">
-                            <a:latin typeface="Cambria Math" panose="02040503050406030204" pitchFamily="18" charset="0"/>
-                          </a:rPr>
-                        </m:ctrlPr>
-                      </m:sSupPr>
-                      <m:e>
-                        <m:r>
-                          <a:rPr lang="en-US" b="0" i="1" smtClean="0">
-                            <a:latin typeface="Cambria Math" panose="02040503050406030204" pitchFamily="18" charset="0"/>
-                          </a:rPr>
-                          <m:t>𝑛</m:t>
-                        </m:r>
-                      </m:e>
-                      <m:sup>
-                        <m:r>
-                          <a:rPr lang="en-US" b="0" i="1" smtClean="0">
-                            <a:latin typeface="Cambria Math" panose="02040503050406030204" pitchFamily="18" charset="0"/>
-                          </a:rPr>
-                          <m:t>2</m:t>
-                        </m:r>
-                      </m:sup>
-                    </m:sSup>
-                    <m:r>
-                      <a:rPr lang="en-US" b="0" i="1" smtClean="0">
-                        <a:latin typeface="Cambria Math" panose="02040503050406030204" pitchFamily="18" charset="0"/>
-                      </a:rPr>
-                      <m:t>≥50</m:t>
-                    </m:r>
-                    <m:r>
-                      <a:rPr lang="en-US" b="0" i="1" smtClean="0">
-                        <a:latin typeface="Cambria Math" panose="02040503050406030204" pitchFamily="18" charset="0"/>
-                      </a:rPr>
-                      <m:t>𝑛</m:t>
-                    </m:r>
-                  </m:oMath>
-                </a14:m>
-                <a:endParaRPr lang="en-US" dirty="0"/>
-              </a:p>
-              <a:p>
-                <a:pPr marL="457200" lvl="1" indent="0">
-                  <a:buNone/>
-                </a:pPr>
-                <a:r>
-                  <a:rPr lang="en-US" dirty="0"/>
-                  <a:t>                </a:t>
-                </a:r>
-                <a14:m>
-                  <m:oMath xmlns:m="http://schemas.openxmlformats.org/officeDocument/2006/math">
-                    <m:r>
-                      <a:rPr lang="en-US" b="0" i="1" smtClean="0">
-                        <a:latin typeface="Cambria Math" panose="02040503050406030204" pitchFamily="18" charset="0"/>
-                      </a:rPr>
-                      <m:t>≡</m:t>
-                    </m:r>
-                    <m:r>
-                      <a:rPr lang="en-US" b="0" i="1" smtClean="0">
-                        <a:latin typeface="Cambria Math" panose="02040503050406030204" pitchFamily="18" charset="0"/>
-                      </a:rPr>
-                      <m:t>𝑛</m:t>
-                    </m:r>
-                    <m:r>
-                      <a:rPr lang="en-US" b="0" i="1" smtClean="0">
-                        <a:latin typeface="Cambria Math" panose="02040503050406030204" pitchFamily="18" charset="0"/>
-                      </a:rPr>
-                      <m:t>≥50</m:t>
-                    </m:r>
-                  </m:oMath>
-                </a14:m>
-                <a:r>
-                  <a:rPr lang="en-US" dirty="0"/>
-                  <a:t> </a:t>
-                </a:r>
-              </a:p>
-              <a:p>
-                <a:pPr marL="457200" lvl="1" indent="0">
-                  <a:buNone/>
-                </a:pPr>
-                <a:r>
-                  <a:rPr lang="en-US" dirty="0"/>
-                  <a:t>                This is certainly true </a:t>
-                </a:r>
-                <a14:m>
-                  <m:oMath xmlns:m="http://schemas.openxmlformats.org/officeDocument/2006/math">
-                    <m:r>
-                      <a:rPr lang="en-US" b="0" i="1" smtClean="0">
-                        <a:latin typeface="Cambria Math" panose="02040503050406030204" pitchFamily="18" charset="0"/>
-                      </a:rPr>
-                      <m:t>∀</m:t>
-                    </m:r>
-                    <m:r>
-                      <a:rPr lang="en-US" b="0" i="1" smtClean="0">
-                        <a:latin typeface="Cambria Math" panose="02040503050406030204" pitchFamily="18" charset="0"/>
-                      </a:rPr>
-                      <m:t>𝑛</m:t>
-                    </m:r>
-                    <m:r>
-                      <a:rPr lang="en-US" b="0" i="1" smtClean="0">
-                        <a:latin typeface="Cambria Math" panose="02040503050406030204" pitchFamily="18" charset="0"/>
-                      </a:rPr>
-                      <m:t>≥50</m:t>
-                    </m:r>
-                  </m:oMath>
-                </a14:m>
-                <a:r>
-                  <a:rPr lang="en-US" dirty="0"/>
-                  <a:t>.</a:t>
-                </a:r>
               </a:p>
               <a:p>
                 <a:pPr marL="457200" lvl="1" indent="0">
@@ -4721,7 +4289,7 @@
             </p:txBody>
           </p:sp>
         </mc:Choice>
-        <mc:Fallback xmlns="">
+        <mc:Fallback>
           <p:sp>
             <p:nvSpPr>
               <p:cNvPr id="3" name="Content Placeholder 2"/>
@@ -7821,10 +7389,9 @@
           <a:p>
             <a:pPr lvl="1"/>
             <a:r>
-              <a:rPr lang="en-US" dirty="0" err="1"/>
-              <a:t>deleteMin</a:t>
+              <a:rPr lang="en-US" dirty="0"/>
+              <a:t>extract</a:t>
             </a:r>
-            <a:endParaRPr lang="en-US" dirty="0"/>
           </a:p>
           <a:p>
             <a:pPr lvl="2"/>
@@ -8709,423 +8276,9 @@
             <p:ph idx="1"/>
             <p:extLst>
               <p:ext uri="{D42A27DB-BD31-4B8C-83A1-F6EECF244321}">
-                <p14:modId xmlns:p14="http://schemas.microsoft.com/office/powerpoint/2010/main" val="399437238"/>
+                <p14:modId xmlns:p14="http://schemas.microsoft.com/office/powerpoint/2010/main" val="64154171"/>
               </p:ext>
             </p:extLst>
-          </p:nvPr>
-        </p:nvGraphicFramePr>
-        <p:xfrm>
-          <a:off x="838200" y="1825625"/>
-          <a:ext cx="10515597" cy="2468880"/>
-        </p:xfrm>
-        <a:graphic>
-          <a:graphicData uri="http://schemas.openxmlformats.org/drawingml/2006/table">
-            <a:tbl>
-              <a:tblPr firstRow="1" bandRow="1">
-                <a:tableStyleId>{5C22544A-7EE6-4342-B048-85BDC9FD1C3A}</a:tableStyleId>
-              </a:tblPr>
-              <a:tblGrid>
-                <a:gridCol w="2626360">
-                  <a:extLst>
-                    <a:ext uri="{9D8B030D-6E8A-4147-A177-3AD203B41FA5}">
-                      <a16:colId xmlns:a16="http://schemas.microsoft.com/office/drawing/2014/main" val="3859037791"/>
-                    </a:ext>
-                  </a:extLst>
-                </a:gridCol>
-                <a:gridCol w="3789680">
-                  <a:extLst>
-                    <a:ext uri="{9D8B030D-6E8A-4147-A177-3AD203B41FA5}">
-                      <a16:colId xmlns:a16="http://schemas.microsoft.com/office/drawing/2014/main" val="1986166423"/>
-                    </a:ext>
-                  </a:extLst>
-                </a:gridCol>
-                <a:gridCol w="4099557">
-                  <a:extLst>
-                    <a:ext uri="{9D8B030D-6E8A-4147-A177-3AD203B41FA5}">
-                      <a16:colId xmlns:a16="http://schemas.microsoft.com/office/drawing/2014/main" val="3667104526"/>
-                    </a:ext>
-                  </a:extLst>
-                </a:gridCol>
-              </a:tblGrid>
-              <a:tr h="370840">
-                <a:tc>
-                  <a:txBody>
-                    <a:bodyPr/>
-                    <a:lstStyle/>
-                    <a:p>
-                      <a:r>
-                        <a:rPr lang="en-US" sz="2100" dirty="0"/>
-                        <a:t>Data Structure</a:t>
-                      </a:r>
-                    </a:p>
-                  </a:txBody>
-                  <a:tcPr/>
-                </a:tc>
-                <a:tc>
-                  <a:txBody>
-                    <a:bodyPr/>
-                    <a:lstStyle/>
-                    <a:p>
-                      <a:r>
-                        <a:rPr lang="en-US" sz="2100" dirty="0"/>
-                        <a:t>Worst case time to insert</a:t>
-                      </a:r>
-                    </a:p>
-                  </a:txBody>
-                  <a:tcPr/>
-                </a:tc>
-                <a:tc>
-                  <a:txBody>
-                    <a:bodyPr/>
-                    <a:lstStyle/>
-                    <a:p>
-                      <a:pPr marL="0" marR="0" lvl="0" indent="0" algn="l" defTabSz="914400" rtl="0" eaLnBrk="1" fontAlgn="auto" latinLnBrk="0" hangingPunct="1">
-                        <a:lnSpc>
-                          <a:spcPct val="100000"/>
-                        </a:lnSpc>
-                        <a:spcBef>
-                          <a:spcPts val="0"/>
-                        </a:spcBef>
-                        <a:spcAft>
-                          <a:spcPts val="0"/>
-                        </a:spcAft>
-                        <a:buClrTx/>
-                        <a:buSzTx/>
-                        <a:buFontTx/>
-                        <a:buNone/>
-                        <a:tabLst/>
-                        <a:defRPr/>
-                      </a:pPr>
-                      <a:r>
-                        <a:rPr lang="en-US" sz="2100" dirty="0"/>
-                        <a:t>Worst case time to </a:t>
-                      </a:r>
-                      <a:r>
-                        <a:rPr lang="en-US" sz="2100" dirty="0" err="1"/>
-                        <a:t>deleteMin</a:t>
-                      </a:r>
-                      <a:endParaRPr lang="en-US" sz="2100" dirty="0"/>
-                    </a:p>
-                  </a:txBody>
-                  <a:tcPr/>
-                </a:tc>
-                <a:extLst>
-                  <a:ext uri="{0D108BD9-81ED-4DB2-BD59-A6C34878D82A}">
-                    <a16:rowId xmlns:a16="http://schemas.microsoft.com/office/drawing/2014/main" val="1526940656"/>
-                  </a:ext>
-                </a:extLst>
-              </a:tr>
-              <a:tr h="370840">
-                <a:tc>
-                  <a:txBody>
-                    <a:bodyPr/>
-                    <a:lstStyle/>
-                    <a:p>
-                      <a:r>
-                        <a:rPr lang="en-US" sz="2100" dirty="0"/>
-                        <a:t>Unsorted Array</a:t>
-                      </a:r>
-                    </a:p>
-                  </a:txBody>
-                  <a:tcPr/>
-                </a:tc>
-                <a:tc>
-                  <a:txBody>
-                    <a:bodyPr/>
-                    <a:lstStyle/>
-                    <a:p>
-                      <a:endParaRPr lang="en-US" sz="2100"/>
-                    </a:p>
-                  </a:txBody>
-                  <a:tcPr/>
-                </a:tc>
-                <a:tc>
-                  <a:txBody>
-                    <a:bodyPr/>
-                    <a:lstStyle/>
-                    <a:p>
-                      <a:endParaRPr lang="en-US" sz="2100"/>
-                    </a:p>
-                  </a:txBody>
-                  <a:tcPr/>
-                </a:tc>
-                <a:extLst>
-                  <a:ext uri="{0D108BD9-81ED-4DB2-BD59-A6C34878D82A}">
-                    <a16:rowId xmlns:a16="http://schemas.microsoft.com/office/drawing/2014/main" val="999218032"/>
-                  </a:ext>
-                </a:extLst>
-              </a:tr>
-              <a:tr h="370840">
-                <a:tc>
-                  <a:txBody>
-                    <a:bodyPr/>
-                    <a:lstStyle/>
-                    <a:p>
-                      <a:r>
-                        <a:rPr lang="en-US" sz="2100" dirty="0"/>
-                        <a:t>Unsorted Linked List</a:t>
-                      </a:r>
-                    </a:p>
-                  </a:txBody>
-                  <a:tcPr/>
-                </a:tc>
-                <a:tc>
-                  <a:txBody>
-                    <a:bodyPr/>
-                    <a:lstStyle/>
-                    <a:p>
-                      <a:endParaRPr lang="en-US" sz="2100"/>
-                    </a:p>
-                  </a:txBody>
-                  <a:tcPr/>
-                </a:tc>
-                <a:tc>
-                  <a:txBody>
-                    <a:bodyPr/>
-                    <a:lstStyle/>
-                    <a:p>
-                      <a:endParaRPr lang="en-US" sz="2100"/>
-                    </a:p>
-                  </a:txBody>
-                  <a:tcPr/>
-                </a:tc>
-                <a:extLst>
-                  <a:ext uri="{0D108BD9-81ED-4DB2-BD59-A6C34878D82A}">
-                    <a16:rowId xmlns:a16="http://schemas.microsoft.com/office/drawing/2014/main" val="2237532272"/>
-                  </a:ext>
-                </a:extLst>
-              </a:tr>
-              <a:tr h="370840">
-                <a:tc>
-                  <a:txBody>
-                    <a:bodyPr/>
-                    <a:lstStyle/>
-                    <a:p>
-                      <a:r>
-                        <a:rPr lang="en-US" sz="2100" dirty="0"/>
-                        <a:t>Sorted Circular Array</a:t>
-                      </a:r>
-                    </a:p>
-                  </a:txBody>
-                  <a:tcPr/>
-                </a:tc>
-                <a:tc>
-                  <a:txBody>
-                    <a:bodyPr/>
-                    <a:lstStyle/>
-                    <a:p>
-                      <a:endParaRPr lang="en-US" sz="2100"/>
-                    </a:p>
-                  </a:txBody>
-                  <a:tcPr/>
-                </a:tc>
-                <a:tc>
-                  <a:txBody>
-                    <a:bodyPr/>
-                    <a:lstStyle/>
-                    <a:p>
-                      <a:endParaRPr lang="en-US" sz="2100"/>
-                    </a:p>
-                  </a:txBody>
-                  <a:tcPr/>
-                </a:tc>
-                <a:extLst>
-                  <a:ext uri="{0D108BD9-81ED-4DB2-BD59-A6C34878D82A}">
-                    <a16:rowId xmlns:a16="http://schemas.microsoft.com/office/drawing/2014/main" val="1851548857"/>
-                  </a:ext>
-                </a:extLst>
-              </a:tr>
-              <a:tr h="370840">
-                <a:tc>
-                  <a:txBody>
-                    <a:bodyPr/>
-                    <a:lstStyle/>
-                    <a:p>
-                      <a:r>
-                        <a:rPr lang="en-US" sz="2100" dirty="0"/>
-                        <a:t>Sorted Linked List</a:t>
-                      </a:r>
-                    </a:p>
-                  </a:txBody>
-                  <a:tcPr/>
-                </a:tc>
-                <a:tc>
-                  <a:txBody>
-                    <a:bodyPr/>
-                    <a:lstStyle/>
-                    <a:p>
-                      <a:endParaRPr lang="en-US" sz="2100"/>
-                    </a:p>
-                  </a:txBody>
-                  <a:tcPr/>
-                </a:tc>
-                <a:tc>
-                  <a:txBody>
-                    <a:bodyPr/>
-                    <a:lstStyle/>
-                    <a:p>
-                      <a:endParaRPr lang="en-US" sz="2100"/>
-                    </a:p>
-                  </a:txBody>
-                  <a:tcPr/>
-                </a:tc>
-                <a:extLst>
-                  <a:ext uri="{0D108BD9-81ED-4DB2-BD59-A6C34878D82A}">
-                    <a16:rowId xmlns:a16="http://schemas.microsoft.com/office/drawing/2014/main" val="2877379023"/>
-                  </a:ext>
-                </a:extLst>
-              </a:tr>
-              <a:tr h="370840">
-                <a:tc>
-                  <a:txBody>
-                    <a:bodyPr/>
-                    <a:lstStyle/>
-                    <a:p>
-                      <a:r>
-                        <a:rPr lang="en-US" sz="2100" dirty="0"/>
-                        <a:t>Binary Search Tree</a:t>
-                      </a:r>
-                    </a:p>
-                  </a:txBody>
-                  <a:tcPr/>
-                </a:tc>
-                <a:tc>
-                  <a:txBody>
-                    <a:bodyPr/>
-                    <a:lstStyle/>
-                    <a:p>
-                      <a:endParaRPr lang="en-US" sz="2100"/>
-                    </a:p>
-                  </a:txBody>
-                  <a:tcPr/>
-                </a:tc>
-                <a:tc>
-                  <a:txBody>
-                    <a:bodyPr/>
-                    <a:lstStyle/>
-                    <a:p>
-                      <a:endParaRPr lang="en-US" sz="2100" dirty="0"/>
-                    </a:p>
-                  </a:txBody>
-                  <a:tcPr/>
-                </a:tc>
-                <a:extLst>
-                  <a:ext uri="{0D108BD9-81ED-4DB2-BD59-A6C34878D82A}">
-                    <a16:rowId xmlns:a16="http://schemas.microsoft.com/office/drawing/2014/main" val="911959055"/>
-                  </a:ext>
-                </a:extLst>
-              </a:tr>
-            </a:tbl>
-          </a:graphicData>
-        </a:graphic>
-      </p:graphicFrame>
-      <p:sp>
-        <p:nvSpPr>
-          <p:cNvPr id="5" name="TextBox 4">
-            <a:extLst>
-              <a:ext uri="{FF2B5EF4-FFF2-40B4-BE49-F238E27FC236}">
-                <a16:creationId xmlns:a16="http://schemas.microsoft.com/office/drawing/2014/main" id="{95DC9A6B-441D-32AF-47B4-F4888F339B90}"/>
-              </a:ext>
-            </a:extLst>
-          </p:cNvPr>
-          <p:cNvSpPr txBox="1"/>
-          <p:nvPr/>
-        </p:nvSpPr>
-        <p:spPr>
-          <a:xfrm>
-            <a:off x="838200" y="6035040"/>
-            <a:ext cx="9707880" cy="461665"/>
-          </a:xfrm>
-          <a:prstGeom prst="rect">
-            <a:avLst/>
-          </a:prstGeom>
-          <a:noFill/>
-        </p:spPr>
-        <p:txBody>
-          <a:bodyPr wrap="square" rtlCol="0">
-            <a:spAutoFit/>
-          </a:bodyPr>
-          <a:lstStyle/>
-          <a:p>
-            <a:r>
-              <a:rPr lang="en-US" sz="2400" dirty="0"/>
-              <a:t>Note: Assume we know the maximum size of the PQ in advance</a:t>
-            </a:r>
-          </a:p>
-        </p:txBody>
-      </p:sp>
-    </p:spTree>
-    <p:extLst>
-      <p:ext uri="{BB962C8B-B14F-4D97-AF65-F5344CB8AC3E}">
-        <p14:creationId xmlns:p14="http://schemas.microsoft.com/office/powerpoint/2010/main" val="3852505776"/>
-      </p:ext>
-    </p:extLst>
-  </p:cSld>
-  <p:clrMapOvr>
-    <a:masterClrMapping/>
-  </p:clrMapOvr>
-</p:sld>
-</file>
-
-<file path=ppt/slides/slide22.xml><?xml version="1.0" encoding="utf-8"?>
-<p:sld xmlns:a="http://schemas.openxmlformats.org/drawingml/2006/main" xmlns:r="http://schemas.openxmlformats.org/officeDocument/2006/relationships" xmlns:p="http://schemas.openxmlformats.org/presentationml/2006/main">
-  <p:cSld>
-    <p:spTree>
-      <p:nvGrpSpPr>
-        <p:cNvPr id="1" name=""/>
-        <p:cNvGrpSpPr/>
-        <p:nvPr/>
-      </p:nvGrpSpPr>
-      <p:grpSpPr>
-        <a:xfrm>
-          <a:off x="0" y="0"/>
-          <a:ext cx="0" cy="0"/>
-          <a:chOff x="0" y="0"/>
-          <a:chExt cx="0" cy="0"/>
-        </a:xfrm>
-      </p:grpSpPr>
-      <p:sp>
-        <p:nvSpPr>
-          <p:cNvPr id="2" name="Title 1">
-            <a:extLst>
-              <a:ext uri="{FF2B5EF4-FFF2-40B4-BE49-F238E27FC236}">
-                <a16:creationId xmlns:a16="http://schemas.microsoft.com/office/drawing/2014/main" id="{8E0C6CB2-21FD-58F8-0744-75D5A27E3903}"/>
-              </a:ext>
-            </a:extLst>
-          </p:cNvPr>
-          <p:cNvSpPr>
-            <a:spLocks noGrp="1"/>
-          </p:cNvSpPr>
-          <p:nvPr>
-            <p:ph type="title"/>
-          </p:nvPr>
-        </p:nvSpPr>
-        <p:spPr/>
-        <p:txBody>
-          <a:bodyPr/>
-          <a:lstStyle/>
-          <a:p>
-            <a:r>
-              <a:rPr lang="en-US" dirty="0"/>
-              <a:t>Thinking through implementations</a:t>
-            </a:r>
-          </a:p>
-        </p:txBody>
-      </p:sp>
-      <p:graphicFrame>
-        <p:nvGraphicFramePr>
-          <p:cNvPr id="4" name="Content Placeholder 3">
-            <a:extLst>
-              <a:ext uri="{FF2B5EF4-FFF2-40B4-BE49-F238E27FC236}">
-                <a16:creationId xmlns:a16="http://schemas.microsoft.com/office/drawing/2014/main" id="{A5DE81BF-64A3-93DD-75E1-1B8B7ADAA44B}"/>
-              </a:ext>
-            </a:extLst>
-          </p:cNvPr>
-          <p:cNvGraphicFramePr>
-            <a:graphicFrameLocks noGrp="1"/>
-          </p:cNvGraphicFramePr>
-          <p:nvPr>
-            <p:ph idx="1"/>
           </p:nvPr>
         </p:nvGraphicFramePr>
         <p:xfrm>
@@ -9476,7 +8629,7 @@
 </p:sld>
 </file>
 
-<file path=ppt/slides/slide23.xml><?xml version="1.0" encoding="utf-8"?>
+<file path=ppt/slides/slide22.xml><?xml version="1.0" encoding="utf-8"?>
 <p:sld xmlns:a="http://schemas.openxmlformats.org/drawingml/2006/main" xmlns:r="http://schemas.openxmlformats.org/officeDocument/2006/relationships" xmlns:p="http://schemas.openxmlformats.org/presentationml/2006/main">
   <p:cSld>
     <p:spTree>
@@ -9521,8 +8674,8 @@
           </a:p>
         </p:txBody>
       </p:sp>
-      <mc:AlternateContent xmlns:mc="http://schemas.openxmlformats.org/markup-compatibility/2006" xmlns:a14="http://schemas.microsoft.com/office/drawing/2010/main">
-        <mc:Choice Requires="a14">
+      <mc:AlternateContent xmlns:mc="http://schemas.openxmlformats.org/markup-compatibility/2006">
+        <mc:Choice xmlns:a14="http://schemas.microsoft.com/office/drawing/2010/main" Requires="a14">
           <p:graphicFrame>
             <p:nvGraphicFramePr>
               <p:cNvPr id="4" name="Content Placeholder 3">
@@ -9537,6 +8690,11 @@
               </p:cNvGraphicFramePr>
               <p:nvPr>
                 <p:ph idx="1"/>
+                <p:extLst>
+                  <p:ext uri="{D42A27DB-BD31-4B8C-83A1-F6EECF244321}">
+                    <p14:modId xmlns:p14="http://schemas.microsoft.com/office/powerpoint/2010/main" val="106895746"/>
+                  </p:ext>
+                </p:extLst>
               </p:nvPr>
             </p:nvGraphicFramePr>
             <p:xfrm>
@@ -10169,7 +9327,7 @@
             </a:graphic>
           </p:graphicFrame>
         </mc:Choice>
-        <mc:Fallback xmlns="">
+        <mc:Fallback>
           <p:graphicFrame>
             <p:nvGraphicFramePr>
               <p:cNvPr id="4" name="Content Placeholder 3">
@@ -10186,7 +9344,7 @@
                 <p:ph idx="1"/>
                 <p:extLst>
                   <p:ext uri="{D42A27DB-BD31-4B8C-83A1-F6EECF244321}">
-                    <p14:modId xmlns:p14="http://schemas.microsoft.com/office/powerpoint/2010/main" val="3599397783"/>
+                    <p14:modId xmlns:p14="http://schemas.microsoft.com/office/powerpoint/2010/main" val="106895746"/>
                   </p:ext>
                 </p:extLst>
               </p:nvPr>
@@ -10611,7 +9769,7 @@
 </p:sld>
 </file>
 
-<file path=ppt/slides/slide24.xml><?xml version="1.0" encoding="utf-8"?>
+<file path=ppt/slides/slide23.xml><?xml version="1.0" encoding="utf-8"?>
 <p:sld xmlns:a="http://schemas.openxmlformats.org/drawingml/2006/main" xmlns:r="http://schemas.openxmlformats.org/officeDocument/2006/relationships" xmlns:p="http://schemas.openxmlformats.org/presentationml/2006/main">
   <p:cSld>
     <p:spTree>
@@ -10656,8 +9814,8 @@
           </a:p>
         </p:txBody>
       </p:sp>
-      <mc:AlternateContent xmlns:mc="http://schemas.openxmlformats.org/markup-compatibility/2006" xmlns:a14="http://schemas.microsoft.com/office/drawing/2010/main">
-        <mc:Choice Requires="a14">
+      <mc:AlternateContent xmlns:mc="http://schemas.openxmlformats.org/markup-compatibility/2006">
+        <mc:Choice xmlns:a14="http://schemas.microsoft.com/office/drawing/2010/main" Requires="a14">
           <p:graphicFrame>
             <p:nvGraphicFramePr>
               <p:cNvPr id="4" name="Content Placeholder 3">
@@ -10672,6 +9830,11 @@
               </p:cNvGraphicFramePr>
               <p:nvPr>
                 <p:ph idx="1"/>
+                <p:extLst>
+                  <p:ext uri="{D42A27DB-BD31-4B8C-83A1-F6EECF244321}">
+                    <p14:modId xmlns:p14="http://schemas.microsoft.com/office/powerpoint/2010/main" val="2513853333"/>
+                  </p:ext>
+                </p:extLst>
               </p:nvPr>
             </p:nvGraphicFramePr>
             <p:xfrm>
@@ -11481,7 +10644,7 @@
             </a:graphic>
           </p:graphicFrame>
         </mc:Choice>
-        <mc:Fallback xmlns="">
+        <mc:Fallback>
           <p:graphicFrame>
             <p:nvGraphicFramePr>
               <p:cNvPr id="4" name="Content Placeholder 3">
@@ -11498,7 +10661,7 @@
                 <p:ph idx="1"/>
                 <p:extLst>
                   <p:ext uri="{D42A27DB-BD31-4B8C-83A1-F6EECF244321}">
-                    <p14:modId xmlns:p14="http://schemas.microsoft.com/office/powerpoint/2010/main" val="4243768867"/>
+                    <p14:modId xmlns:p14="http://schemas.microsoft.com/office/powerpoint/2010/main" val="2513853333"/>
                   </p:ext>
                 </p:extLst>
               </p:nvPr>
@@ -11984,7 +11147,7 @@
 </p:sld>
 </file>
 
-<file path=ppt/slides/slide25.xml><?xml version="1.0" encoding="utf-8"?>
+<file path=ppt/slides/slide24.xml><?xml version="1.0" encoding="utf-8"?>
 <p:sld xmlns:a="http://schemas.openxmlformats.org/drawingml/2006/main" xmlns:r="http://schemas.openxmlformats.org/officeDocument/2006/relationships" xmlns:p="http://schemas.openxmlformats.org/presentationml/2006/main">
   <p:cSld>
     <p:spTree>
@@ -13085,7 +12248,7 @@
 </p:sld>
 </file>
 
-<file path=ppt/slides/slide26.xml><?xml version="1.0" encoding="utf-8"?>
+<file path=ppt/slides/slide25.xml><?xml version="1.0" encoding="utf-8"?>
 <p:sld xmlns:a="http://schemas.openxmlformats.org/drawingml/2006/main" xmlns:r="http://schemas.openxmlformats.org/officeDocument/2006/relationships" xmlns:p="http://schemas.openxmlformats.org/presentationml/2006/main">
   <p:cSld>
     <p:spTree>
@@ -14198,7 +13361,7 @@
 </p:sld>
 </file>
 
-<file path=ppt/slides/slide27.xml><?xml version="1.0" encoding="utf-8"?>
+<file path=ppt/slides/slide26.xml><?xml version="1.0" encoding="utf-8"?>
 <p:sld xmlns:a="http://schemas.openxmlformats.org/drawingml/2006/main" xmlns:r="http://schemas.openxmlformats.org/officeDocument/2006/relationships" xmlns:p="http://schemas.openxmlformats.org/presentationml/2006/main">
   <p:cSld>
     <p:spTree>
@@ -15662,7 +14825,7 @@
 </p:sld>
 </file>
 
-<file path=ppt/slides/slide28.xml><?xml version="1.0" encoding="utf-8"?>
+<file path=ppt/slides/slide27.xml><?xml version="1.0" encoding="utf-8"?>
 <p:sld xmlns:a="http://schemas.openxmlformats.org/drawingml/2006/main" xmlns:r="http://schemas.openxmlformats.org/officeDocument/2006/relationships" xmlns:p="http://schemas.openxmlformats.org/presentationml/2006/main">
   <p:cSld>
     <p:spTree>
@@ -16085,7 +15248,7 @@
 </p:sld>
 </file>
 
-<file path=ppt/slides/slide29.xml><?xml version="1.0" encoding="utf-8"?>
+<file path=ppt/slides/slide28.xml><?xml version="1.0" encoding="utf-8"?>
 <p:sld xmlns:a="http://schemas.openxmlformats.org/drawingml/2006/main" xmlns:r="http://schemas.openxmlformats.org/officeDocument/2006/relationships" xmlns:p="http://schemas.openxmlformats.org/presentationml/2006/main">
   <p:cSld>
     <p:spTree>
@@ -19490,8 +18653,8 @@
           </a:p>
         </p:txBody>
       </p:sp>
-      <mc:AlternateContent xmlns:mc="http://schemas.openxmlformats.org/markup-compatibility/2006" xmlns:a14="http://schemas.microsoft.com/office/drawing/2010/main">
-        <mc:Choice Requires="a14">
+      <mc:AlternateContent xmlns:mc="http://schemas.openxmlformats.org/markup-compatibility/2006">
+        <mc:Choice xmlns:a14="http://schemas.microsoft.com/office/drawing/2010/main" Requires="a14">
           <p:sp>
             <p:nvSpPr>
               <p:cNvPr id="3" name="Content Placeholder 2"/>
@@ -19767,429 +18930,12 @@
                   <a:rPr lang="en-US" b="1" dirty="0"/>
                   <a:t>Proof: 	</a:t>
                 </a:r>
-                <a:r>
-                  <a:rPr lang="en-US" dirty="0"/>
-                  <a:t>Let </a:t>
-                </a:r>
-                <a14:m>
-                  <m:oMath xmlns:m="http://schemas.openxmlformats.org/officeDocument/2006/math">
-                    <m:r>
-                      <a:rPr lang="en-US" b="0" i="1" smtClean="0">
-                        <a:latin typeface="Cambria Math" panose="02040503050406030204" pitchFamily="18" charset="0"/>
-                      </a:rPr>
-                      <m:t>𝑐</m:t>
-                    </m:r>
-                    <m:r>
-                      <a:rPr lang="en-US" b="0" i="1" smtClean="0">
-                        <a:latin typeface="Cambria Math" panose="02040503050406030204" pitchFamily="18" charset="0"/>
-                      </a:rPr>
-                      <m:t>=10</m:t>
-                    </m:r>
-                  </m:oMath>
-                </a14:m>
-                <a:r>
-                  <a:rPr lang="en-US" dirty="0"/>
-                  <a:t> and </a:t>
-                </a:r>
-                <a14:m>
-                  <m:oMath xmlns:m="http://schemas.openxmlformats.org/officeDocument/2006/math">
-                    <m:sSub>
-                      <m:sSubPr>
-                        <m:ctrlPr>
-                          <a:rPr lang="en-US" b="0" i="1" smtClean="0">
-                            <a:latin typeface="Cambria Math" panose="02040503050406030204" pitchFamily="18" charset="0"/>
-                          </a:rPr>
-                        </m:ctrlPr>
-                      </m:sSubPr>
-                      <m:e>
-                        <m:r>
-                          <a:rPr lang="en-US" b="0" i="1" smtClean="0">
-                            <a:latin typeface="Cambria Math" panose="02040503050406030204" pitchFamily="18" charset="0"/>
-                          </a:rPr>
-                          <m:t>𝑛</m:t>
-                        </m:r>
-                      </m:e>
-                      <m:sub>
-                        <m:r>
-                          <a:rPr lang="en-US" b="0" i="1" smtClean="0">
-                            <a:latin typeface="Cambria Math" panose="02040503050406030204" pitchFamily="18" charset="0"/>
-                          </a:rPr>
-                          <m:t>0</m:t>
-                        </m:r>
-                      </m:sub>
-                    </m:sSub>
-                    <m:r>
-                      <a:rPr lang="en-US" b="0" i="1" smtClean="0">
-                        <a:latin typeface="Cambria Math" panose="02040503050406030204" pitchFamily="18" charset="0"/>
-                      </a:rPr>
-                      <m:t>=6</m:t>
-                    </m:r>
-                  </m:oMath>
-                </a14:m>
-                <a:r>
-                  <a:rPr lang="en-US" dirty="0"/>
-                  <a:t>. Show </a:t>
-                </a:r>
-                <a14:m>
-                  <m:oMath xmlns:m="http://schemas.openxmlformats.org/officeDocument/2006/math">
-                    <m:r>
-                      <a:rPr lang="en-US" b="0" i="1" smtClean="0">
-                        <a:latin typeface="Cambria Math" panose="02040503050406030204" pitchFamily="18" charset="0"/>
-                      </a:rPr>
-                      <m:t>∀</m:t>
-                    </m:r>
-                    <m:r>
-                      <a:rPr lang="en-US" b="0" i="1" smtClean="0">
-                        <a:latin typeface="Cambria Math" panose="02040503050406030204" pitchFamily="18" charset="0"/>
-                      </a:rPr>
-                      <m:t>𝑛</m:t>
-                    </m:r>
-                    <m:r>
-                      <a:rPr lang="en-US" b="0" i="1" smtClean="0">
-                        <a:latin typeface="Cambria Math" panose="02040503050406030204" pitchFamily="18" charset="0"/>
-                      </a:rPr>
-                      <m:t>≥6.10</m:t>
-                    </m:r>
-                    <m:r>
-                      <a:rPr lang="en-US" b="0" i="1" smtClean="0">
-                        <a:latin typeface="Cambria Math" panose="02040503050406030204" pitchFamily="18" charset="0"/>
-                      </a:rPr>
-                      <m:t>𝑛</m:t>
-                    </m:r>
-                    <m:r>
-                      <a:rPr lang="en-US" b="0" i="1" smtClean="0">
-                        <a:latin typeface="Cambria Math" panose="02040503050406030204" pitchFamily="18" charset="0"/>
-                      </a:rPr>
-                      <m:t>+100≤10</m:t>
-                    </m:r>
-                    <m:sSup>
-                      <m:sSupPr>
-                        <m:ctrlPr>
-                          <a:rPr lang="en-US" b="0" i="1" smtClean="0">
-                            <a:latin typeface="Cambria Math" panose="02040503050406030204" pitchFamily="18" charset="0"/>
-                          </a:rPr>
-                        </m:ctrlPr>
-                      </m:sSupPr>
-                      <m:e>
-                        <m:r>
-                          <a:rPr lang="en-US" b="0" i="1" smtClean="0">
-                            <a:latin typeface="Cambria Math" panose="02040503050406030204" pitchFamily="18" charset="0"/>
-                          </a:rPr>
-                          <m:t>𝑛</m:t>
-                        </m:r>
-                      </m:e>
-                      <m:sup>
-                        <m:r>
-                          <a:rPr lang="en-US" b="0" i="1" smtClean="0">
-                            <a:latin typeface="Cambria Math" panose="02040503050406030204" pitchFamily="18" charset="0"/>
-                          </a:rPr>
-                          <m:t>2</m:t>
-                        </m:r>
-                      </m:sup>
-                    </m:sSup>
-                  </m:oMath>
-                </a14:m>
-                <a:endParaRPr lang="en-US" dirty="0"/>
-              </a:p>
-              <a:p>
-                <a:pPr marL="457200" lvl="1" indent="0">
-                  <a:buNone/>
-                </a:pPr>
-                <a:r>
-                  <a:rPr lang="en-US" dirty="0"/>
-                  <a:t>                    </a:t>
-                </a:r>
-                <a14:m>
-                  <m:oMath xmlns:m="http://schemas.openxmlformats.org/officeDocument/2006/math">
-                    <m:r>
-                      <a:rPr lang="en-US" b="0" i="1" smtClean="0">
-                        <a:latin typeface="Cambria Math" panose="02040503050406030204" pitchFamily="18" charset="0"/>
-                      </a:rPr>
-                      <m:t>10</m:t>
-                    </m:r>
-                    <m:r>
-                      <a:rPr lang="en-US" b="0" i="1" smtClean="0">
-                        <a:latin typeface="Cambria Math" panose="02040503050406030204" pitchFamily="18" charset="0"/>
-                      </a:rPr>
-                      <m:t>𝑛</m:t>
-                    </m:r>
-                    <m:r>
-                      <a:rPr lang="en-US" b="0" i="1" smtClean="0">
-                        <a:latin typeface="Cambria Math" panose="02040503050406030204" pitchFamily="18" charset="0"/>
-                      </a:rPr>
-                      <m:t>+100≤10</m:t>
-                    </m:r>
-                    <m:sSup>
-                      <m:sSupPr>
-                        <m:ctrlPr>
-                          <a:rPr lang="en-US" b="0" i="1" smtClean="0">
-                            <a:latin typeface="Cambria Math" panose="02040503050406030204" pitchFamily="18" charset="0"/>
-                          </a:rPr>
-                        </m:ctrlPr>
-                      </m:sSupPr>
-                      <m:e>
-                        <m:r>
-                          <a:rPr lang="en-US" b="0" i="1" smtClean="0">
-                            <a:latin typeface="Cambria Math" panose="02040503050406030204" pitchFamily="18" charset="0"/>
-                          </a:rPr>
-                          <m:t>𝑛</m:t>
-                        </m:r>
-                      </m:e>
-                      <m:sup>
-                        <m:r>
-                          <a:rPr lang="en-US" b="0" i="1" smtClean="0">
-                            <a:latin typeface="Cambria Math" panose="02040503050406030204" pitchFamily="18" charset="0"/>
-                          </a:rPr>
-                          <m:t>2</m:t>
-                        </m:r>
-                      </m:sup>
-                    </m:sSup>
-                  </m:oMath>
-                </a14:m>
-                <a:endParaRPr lang="en-US" dirty="0"/>
-              </a:p>
-              <a:p>
-                <a:pPr marL="457200" lvl="1" indent="0">
-                  <a:buNone/>
-                </a:pPr>
-                <a:r>
-                  <a:rPr lang="en-US" dirty="0"/>
-                  <a:t>                </a:t>
-                </a:r>
-                <a14:m>
-                  <m:oMath xmlns:m="http://schemas.openxmlformats.org/officeDocument/2006/math">
-                    <m:r>
-                      <a:rPr lang="en-US" b="0" i="1" smtClean="0">
-                        <a:latin typeface="Cambria Math" panose="02040503050406030204" pitchFamily="18" charset="0"/>
-                      </a:rPr>
-                      <m:t>≡</m:t>
-                    </m:r>
-                    <m:r>
-                      <a:rPr lang="en-US" b="0" i="1" smtClean="0">
-                        <a:latin typeface="Cambria Math" panose="02040503050406030204" pitchFamily="18" charset="0"/>
-                      </a:rPr>
-                      <m:t>𝑛</m:t>
-                    </m:r>
-                    <m:r>
-                      <a:rPr lang="en-US" b="0" i="1" smtClean="0">
-                        <a:latin typeface="Cambria Math" panose="02040503050406030204" pitchFamily="18" charset="0"/>
-                      </a:rPr>
-                      <m:t>+10≤</m:t>
-                    </m:r>
-                    <m:sSup>
-                      <m:sSupPr>
-                        <m:ctrlPr>
-                          <a:rPr lang="en-US" b="0" i="1" smtClean="0">
-                            <a:latin typeface="Cambria Math" panose="02040503050406030204" pitchFamily="18" charset="0"/>
-                          </a:rPr>
-                        </m:ctrlPr>
-                      </m:sSupPr>
-                      <m:e>
-                        <m:r>
-                          <a:rPr lang="en-US" b="0" i="1" smtClean="0">
-                            <a:latin typeface="Cambria Math" panose="02040503050406030204" pitchFamily="18" charset="0"/>
-                          </a:rPr>
-                          <m:t>𝑛</m:t>
-                        </m:r>
-                      </m:e>
-                      <m:sup>
-                        <m:r>
-                          <a:rPr lang="en-US" b="0" i="1" smtClean="0">
-                            <a:latin typeface="Cambria Math" panose="02040503050406030204" pitchFamily="18" charset="0"/>
-                          </a:rPr>
-                          <m:t>2</m:t>
-                        </m:r>
-                      </m:sup>
-                    </m:sSup>
-                  </m:oMath>
-                </a14:m>
-                <a:endParaRPr lang="en-US" dirty="0"/>
-              </a:p>
-              <a:p>
-                <a:pPr marL="457200" lvl="1" indent="0">
-                  <a:buNone/>
-                </a:pPr>
-                <a:r>
-                  <a:rPr lang="en-US" dirty="0"/>
-                  <a:t>                </a:t>
-                </a:r>
-                <a14:m>
-                  <m:oMath xmlns:m="http://schemas.openxmlformats.org/officeDocument/2006/math">
-                    <m:r>
-                      <a:rPr lang="en-US" b="0" i="1" smtClean="0">
-                        <a:latin typeface="Cambria Math" panose="02040503050406030204" pitchFamily="18" charset="0"/>
-                      </a:rPr>
-                      <m:t>≡10≤</m:t>
-                    </m:r>
-                    <m:sSup>
-                      <m:sSupPr>
-                        <m:ctrlPr>
-                          <a:rPr lang="en-US" b="0" i="1" smtClean="0">
-                            <a:latin typeface="Cambria Math" panose="02040503050406030204" pitchFamily="18" charset="0"/>
-                          </a:rPr>
-                        </m:ctrlPr>
-                      </m:sSupPr>
-                      <m:e>
-                        <m:r>
-                          <a:rPr lang="en-US" b="0" i="1" smtClean="0">
-                            <a:latin typeface="Cambria Math" panose="02040503050406030204" pitchFamily="18" charset="0"/>
-                          </a:rPr>
-                          <m:t>𝑛</m:t>
-                        </m:r>
-                      </m:e>
-                      <m:sup>
-                        <m:r>
-                          <a:rPr lang="en-US" b="0" i="1" smtClean="0">
-                            <a:latin typeface="Cambria Math" panose="02040503050406030204" pitchFamily="18" charset="0"/>
-                          </a:rPr>
-                          <m:t>2</m:t>
-                        </m:r>
-                      </m:sup>
-                    </m:sSup>
-                    <m:r>
-                      <a:rPr lang="en-US" b="0" i="1" smtClean="0">
-                        <a:latin typeface="Cambria Math" panose="02040503050406030204" pitchFamily="18" charset="0"/>
-                      </a:rPr>
-                      <m:t>−</m:t>
-                    </m:r>
-                    <m:r>
-                      <a:rPr lang="en-US" b="0" i="1" smtClean="0">
-                        <a:latin typeface="Cambria Math" panose="02040503050406030204" pitchFamily="18" charset="0"/>
-                      </a:rPr>
-                      <m:t>𝑛</m:t>
-                    </m:r>
-                  </m:oMath>
-                </a14:m>
-                <a:endParaRPr lang="en-US" dirty="0"/>
-              </a:p>
-              <a:p>
-                <a:pPr marL="457200" lvl="1" indent="0">
-                  <a:buNone/>
-                </a:pPr>
-                <a:r>
-                  <a:rPr lang="en-US" dirty="0"/>
-                  <a:t>                </a:t>
-                </a:r>
-                <a14:m>
-                  <m:oMath xmlns:m="http://schemas.openxmlformats.org/officeDocument/2006/math">
-                    <m:r>
-                      <a:rPr lang="en-US" b="0" i="1" smtClean="0">
-                        <a:latin typeface="Cambria Math" panose="02040503050406030204" pitchFamily="18" charset="0"/>
-                      </a:rPr>
-                      <m:t>≡10≤</m:t>
-                    </m:r>
-                    <m:r>
-                      <a:rPr lang="en-US" b="0" i="1" smtClean="0">
-                        <a:latin typeface="Cambria Math" panose="02040503050406030204" pitchFamily="18" charset="0"/>
-                      </a:rPr>
-                      <m:t>𝑛</m:t>
-                    </m:r>
-                    <m:d>
-                      <m:dPr>
-                        <m:ctrlPr>
-                          <a:rPr lang="en-US" b="0" i="1" smtClean="0">
-                            <a:latin typeface="Cambria Math" panose="02040503050406030204" pitchFamily="18" charset="0"/>
-                          </a:rPr>
-                        </m:ctrlPr>
-                      </m:dPr>
-                      <m:e>
-                        <m:r>
-                          <a:rPr lang="en-US" b="0" i="1" smtClean="0">
-                            <a:latin typeface="Cambria Math" panose="02040503050406030204" pitchFamily="18" charset="0"/>
-                          </a:rPr>
-                          <m:t>𝑛</m:t>
-                        </m:r>
-                        <m:r>
-                          <a:rPr lang="en-US" b="0" i="1" smtClean="0">
-                            <a:latin typeface="Cambria Math" panose="02040503050406030204" pitchFamily="18" charset="0"/>
-                          </a:rPr>
-                          <m:t>−1</m:t>
-                        </m:r>
-                      </m:e>
-                    </m:d>
-                  </m:oMath>
-                </a14:m>
-                <a:endParaRPr lang="en-US" dirty="0"/>
-              </a:p>
-              <a:p>
-                <a:pPr marL="457200" lvl="1" indent="0">
-                  <a:buNone/>
-                </a:pPr>
-                <a:r>
-                  <a:rPr lang="en-US" dirty="0"/>
-                  <a:t>		This is True because </a:t>
-                </a:r>
-                <a14:m>
-                  <m:oMath xmlns:m="http://schemas.openxmlformats.org/officeDocument/2006/math">
-                    <m:r>
-                      <a:rPr lang="en-US" b="0" i="1" smtClean="0">
-                        <a:latin typeface="Cambria Math" panose="02040503050406030204" pitchFamily="18" charset="0"/>
-                      </a:rPr>
-                      <m:t>𝑛</m:t>
-                    </m:r>
-                    <m:r>
-                      <a:rPr lang="en-US" b="0" i="1" smtClean="0">
-                        <a:latin typeface="Cambria Math" panose="02040503050406030204" pitchFamily="18" charset="0"/>
-                      </a:rPr>
-                      <m:t>(</m:t>
-                    </m:r>
-                    <m:r>
-                      <a:rPr lang="en-US" b="0" i="1" smtClean="0">
-                        <a:latin typeface="Cambria Math" panose="02040503050406030204" pitchFamily="18" charset="0"/>
-                      </a:rPr>
-                      <m:t>𝑛</m:t>
-                    </m:r>
-                    <m:r>
-                      <a:rPr lang="en-US" b="0" i="1" smtClean="0">
-                        <a:latin typeface="Cambria Math" panose="02040503050406030204" pitchFamily="18" charset="0"/>
-                      </a:rPr>
-                      <m:t>−1)</m:t>
-                    </m:r>
-                  </m:oMath>
-                </a14:m>
-                <a:r>
-                  <a:rPr lang="en-US" dirty="0"/>
-                  <a:t> is strictly increasing and </a:t>
-                </a:r>
-                <a14:m>
-                  <m:oMath xmlns:m="http://schemas.openxmlformats.org/officeDocument/2006/math">
-                    <m:r>
-                      <a:rPr lang="en-US" b="0" i="1" smtClean="0">
-                        <a:latin typeface="Cambria Math" panose="02040503050406030204" pitchFamily="18" charset="0"/>
-                      </a:rPr>
-                      <m:t>6</m:t>
-                    </m:r>
-                    <m:d>
-                      <m:dPr>
-                        <m:ctrlPr>
-                          <a:rPr lang="en-US" b="0" i="1" smtClean="0">
-                            <a:latin typeface="Cambria Math" panose="02040503050406030204" pitchFamily="18" charset="0"/>
-                          </a:rPr>
-                        </m:ctrlPr>
-                      </m:dPr>
-                      <m:e>
-                        <m:r>
-                          <a:rPr lang="en-US" b="0" i="1" smtClean="0">
-                            <a:latin typeface="Cambria Math" panose="02040503050406030204" pitchFamily="18" charset="0"/>
-                          </a:rPr>
-                          <m:t>6−1</m:t>
-                        </m:r>
-                      </m:e>
-                    </m:d>
-                    <m:r>
-                      <a:rPr lang="en-US" b="0" i="1" smtClean="0">
-                        <a:latin typeface="Cambria Math" panose="02040503050406030204" pitchFamily="18" charset="0"/>
-                      </a:rPr>
-                      <m:t>&gt;10</m:t>
-                    </m:r>
-                  </m:oMath>
-                </a14:m>
                 <a:endParaRPr lang="en-US" dirty="0"/>
               </a:p>
             </p:txBody>
           </p:sp>
         </mc:Choice>
-        <mc:Fallback xmlns="">
+        <mc:Fallback>
           <p:sp>
             <p:nvSpPr>
               <p:cNvPr id="3" name="Content Placeholder 2"/>
@@ -20624,337 +19370,7 @@
               </a:p>
               <a:p>
                 <a:pPr lvl="2"/>
-                <a:r>
-                  <a:rPr lang="en-US" dirty="0"/>
-                  <a:t>We need </a:t>
-                </a:r>
-                <a14:m>
-                  <m:oMath xmlns:m="http://schemas.openxmlformats.org/officeDocument/2006/math">
-                    <m:r>
-                      <a:rPr lang="en-US" b="0" i="1" smtClean="0">
-                        <a:latin typeface="Cambria Math" panose="02040503050406030204" pitchFamily="18" charset="0"/>
-                      </a:rPr>
-                      <m:t>13</m:t>
-                    </m:r>
-                    <m:sSup>
-                      <m:sSupPr>
-                        <m:ctrlPr>
-                          <a:rPr lang="en-US" b="0" i="1" smtClean="0">
-                            <a:latin typeface="Cambria Math" panose="02040503050406030204" pitchFamily="18" charset="0"/>
-                          </a:rPr>
-                        </m:ctrlPr>
-                      </m:sSupPr>
-                      <m:e>
-                        <m:r>
-                          <a:rPr lang="en-US" b="0" i="1" smtClean="0">
-                            <a:latin typeface="Cambria Math" panose="02040503050406030204" pitchFamily="18" charset="0"/>
-                          </a:rPr>
-                          <m:t>𝑛</m:t>
-                        </m:r>
-                      </m:e>
-                      <m:sup>
-                        <m:r>
-                          <a:rPr lang="en-US" b="0" i="1" smtClean="0">
-                            <a:latin typeface="Cambria Math" panose="02040503050406030204" pitchFamily="18" charset="0"/>
-                          </a:rPr>
-                          <m:t>2</m:t>
-                        </m:r>
-                      </m:sup>
-                    </m:sSup>
-                    <m:r>
-                      <a:rPr lang="en-US" b="0" i="1" smtClean="0">
-                        <a:latin typeface="Cambria Math" panose="02040503050406030204" pitchFamily="18" charset="0"/>
-                      </a:rPr>
-                      <m:t>−50</m:t>
-                    </m:r>
-                    <m:r>
-                      <a:rPr lang="en-US" b="0" i="1" smtClean="0">
-                        <a:latin typeface="Cambria Math" panose="02040503050406030204" pitchFamily="18" charset="0"/>
-                      </a:rPr>
-                      <m:t>𝑛</m:t>
-                    </m:r>
-                    <m:r>
-                      <a:rPr lang="en-US" b="0" i="1" smtClean="0">
-                        <a:latin typeface="Cambria Math" panose="02040503050406030204" pitchFamily="18" charset="0"/>
-                      </a:rPr>
-                      <m:t>≥</m:t>
-                    </m:r>
-                    <m:r>
-                      <a:rPr lang="en-US" b="0" i="1" smtClean="0">
-                        <a:latin typeface="Cambria Math" panose="02040503050406030204" pitchFamily="18" charset="0"/>
-                      </a:rPr>
-                      <m:t>𝑐</m:t>
-                    </m:r>
-                    <m:r>
-                      <a:rPr lang="en-US" b="0" i="1" smtClean="0">
-                        <a:latin typeface="Cambria Math" panose="02040503050406030204" pitchFamily="18" charset="0"/>
-                      </a:rPr>
-                      <m:t>⋅</m:t>
-                    </m:r>
-                    <m:sSup>
-                      <m:sSupPr>
-                        <m:ctrlPr>
-                          <a:rPr lang="en-US" b="0" i="1" smtClean="0">
-                            <a:latin typeface="Cambria Math" panose="02040503050406030204" pitchFamily="18" charset="0"/>
-                          </a:rPr>
-                        </m:ctrlPr>
-                      </m:sSupPr>
-                      <m:e>
-                        <m:r>
-                          <a:rPr lang="en-US" b="0" i="1" smtClean="0">
-                            <a:latin typeface="Cambria Math" panose="02040503050406030204" pitchFamily="18" charset="0"/>
-                          </a:rPr>
-                          <m:t>𝑛</m:t>
-                        </m:r>
-                      </m:e>
-                      <m:sup>
-                        <m:r>
-                          <a:rPr lang="en-US" b="0" i="1" smtClean="0">
-                            <a:latin typeface="Cambria Math" panose="02040503050406030204" pitchFamily="18" charset="0"/>
-                          </a:rPr>
-                          <m:t>2</m:t>
-                        </m:r>
-                      </m:sup>
-                    </m:sSup>
-                  </m:oMath>
-                </a14:m>
-                <a:r>
-                  <a:rPr lang="en-US" dirty="0"/>
-                  <a:t>, so we need </a:t>
-                </a:r>
-                <a14:m>
-                  <m:oMath xmlns:m="http://schemas.openxmlformats.org/officeDocument/2006/math">
-                    <m:r>
-                      <a:rPr lang="en-US" b="0" i="1" smtClean="0">
-                        <a:latin typeface="Cambria Math" panose="02040503050406030204" pitchFamily="18" charset="0"/>
-                      </a:rPr>
-                      <m:t>13</m:t>
-                    </m:r>
-                    <m:sSup>
-                      <m:sSupPr>
-                        <m:ctrlPr>
-                          <a:rPr lang="en-US" b="0" i="1" smtClean="0">
-                            <a:latin typeface="Cambria Math" panose="02040503050406030204" pitchFamily="18" charset="0"/>
-                          </a:rPr>
-                        </m:ctrlPr>
-                      </m:sSupPr>
-                      <m:e>
-                        <m:r>
-                          <a:rPr lang="en-US" b="0" i="1" smtClean="0">
-                            <a:latin typeface="Cambria Math" panose="02040503050406030204" pitchFamily="18" charset="0"/>
-                          </a:rPr>
-                          <m:t>𝑛</m:t>
-                        </m:r>
-                      </m:e>
-                      <m:sup>
-                        <m:r>
-                          <a:rPr lang="en-US" b="0" i="1" smtClean="0">
-                            <a:latin typeface="Cambria Math" panose="02040503050406030204" pitchFamily="18" charset="0"/>
-                          </a:rPr>
-                          <m:t>2</m:t>
-                        </m:r>
-                      </m:sup>
-                    </m:sSup>
-                    <m:r>
-                      <a:rPr lang="en-US" b="0" i="1" smtClean="0">
-                        <a:latin typeface="Cambria Math" panose="02040503050406030204" pitchFamily="18" charset="0"/>
-                      </a:rPr>
-                      <m:t>≥</m:t>
-                    </m:r>
-                    <m:r>
-                      <a:rPr lang="en-US" b="0" i="1" smtClean="0">
-                        <a:latin typeface="Cambria Math" panose="02040503050406030204" pitchFamily="18" charset="0"/>
-                      </a:rPr>
-                      <m:t>𝑐</m:t>
-                    </m:r>
-                    <m:sSup>
-                      <m:sSupPr>
-                        <m:ctrlPr>
-                          <a:rPr lang="en-US" b="0" i="1" smtClean="0">
-                            <a:latin typeface="Cambria Math" panose="02040503050406030204" pitchFamily="18" charset="0"/>
-                          </a:rPr>
-                        </m:ctrlPr>
-                      </m:sSupPr>
-                      <m:e>
-                        <m:r>
-                          <a:rPr lang="en-US" b="0" i="1" smtClean="0">
-                            <a:latin typeface="Cambria Math" panose="02040503050406030204" pitchFamily="18" charset="0"/>
-                          </a:rPr>
-                          <m:t>𝑛</m:t>
-                        </m:r>
-                      </m:e>
-                      <m:sup>
-                        <m:r>
-                          <a:rPr lang="en-US" b="0" i="1" smtClean="0">
-                            <a:latin typeface="Cambria Math" panose="02040503050406030204" pitchFamily="18" charset="0"/>
-                          </a:rPr>
-                          <m:t>2</m:t>
-                        </m:r>
-                      </m:sup>
-                    </m:sSup>
-                    <m:r>
-                      <a:rPr lang="en-US" b="0" i="1" smtClean="0">
-                        <a:latin typeface="Cambria Math" panose="02040503050406030204" pitchFamily="18" charset="0"/>
-                      </a:rPr>
-                      <m:t>+50</m:t>
-                    </m:r>
-                    <m:r>
-                      <a:rPr lang="en-US" b="0" i="1" smtClean="0">
-                        <a:latin typeface="Cambria Math" panose="02040503050406030204" pitchFamily="18" charset="0"/>
-                      </a:rPr>
-                      <m:t>𝑛</m:t>
-                    </m:r>
-                  </m:oMath>
-                </a14:m>
-                <a:r>
-                  <a:rPr lang="en-US" dirty="0"/>
-                  <a:t>, dividing by </a:t>
-                </a:r>
-                <a14:m>
-                  <m:oMath xmlns:m="http://schemas.openxmlformats.org/officeDocument/2006/math">
-                    <m:r>
-                      <a:rPr lang="en-US" b="0" i="1" smtClean="0">
-                        <a:latin typeface="Cambria Math" panose="02040503050406030204" pitchFamily="18" charset="0"/>
-                      </a:rPr>
-                      <m:t>𝑛</m:t>
-                    </m:r>
-                  </m:oMath>
-                </a14:m>
-                <a:r>
-                  <a:rPr lang="en-US" dirty="0"/>
-                  <a:t> we have </a:t>
-                </a:r>
-                <a14:m>
-                  <m:oMath xmlns:m="http://schemas.openxmlformats.org/officeDocument/2006/math">
-                    <m:r>
-                      <a:rPr lang="en-US" b="0" i="1" smtClean="0">
-                        <a:latin typeface="Cambria Math" panose="02040503050406030204" pitchFamily="18" charset="0"/>
-                      </a:rPr>
-                      <m:t>13</m:t>
-                    </m:r>
-                    <m:r>
-                      <a:rPr lang="en-US" b="0" i="1" smtClean="0">
-                        <a:latin typeface="Cambria Math" panose="02040503050406030204" pitchFamily="18" charset="0"/>
-                      </a:rPr>
-                      <m:t>𝑛</m:t>
-                    </m:r>
-                    <m:r>
-                      <a:rPr lang="en-US" b="0" i="1" smtClean="0">
-                        <a:latin typeface="Cambria Math" panose="02040503050406030204" pitchFamily="18" charset="0"/>
-                      </a:rPr>
-                      <m:t>≥</m:t>
-                    </m:r>
-                    <m:r>
-                      <a:rPr lang="en-US" b="0" i="1" smtClean="0">
-                        <a:latin typeface="Cambria Math" panose="02040503050406030204" pitchFamily="18" charset="0"/>
-                      </a:rPr>
-                      <m:t>𝑐𝑛</m:t>
-                    </m:r>
-                    <m:r>
-                      <a:rPr lang="en-US" b="0" i="1" smtClean="0">
-                        <a:latin typeface="Cambria Math" panose="02040503050406030204" pitchFamily="18" charset="0"/>
-                      </a:rPr>
-                      <m:t>+50</m:t>
-                    </m:r>
-                  </m:oMath>
-                </a14:m>
-                <a:r>
-                  <a:rPr lang="en-US" dirty="0"/>
-                  <a:t>. When </a:t>
-                </a:r>
-                <a14:m>
-                  <m:oMath xmlns:m="http://schemas.openxmlformats.org/officeDocument/2006/math">
-                    <m:r>
-                      <a:rPr lang="en-US" b="0" i="1" smtClean="0">
-                        <a:latin typeface="Cambria Math" panose="02040503050406030204" pitchFamily="18" charset="0"/>
-                      </a:rPr>
-                      <m:t>𝑛</m:t>
-                    </m:r>
-                    <m:r>
-                      <a:rPr lang="en-US" b="0" i="1" smtClean="0">
-                        <a:latin typeface="Cambria Math" panose="02040503050406030204" pitchFamily="18" charset="0"/>
-                      </a:rPr>
-                      <m:t>&gt;50</m:t>
-                    </m:r>
-                  </m:oMath>
-                </a14:m>
-                <a:r>
-                  <a:rPr lang="en-US" dirty="0"/>
-                  <a:t> we know that adding </a:t>
-                </a:r>
-                <a14:m>
-                  <m:oMath xmlns:m="http://schemas.openxmlformats.org/officeDocument/2006/math">
-                    <m:r>
-                      <a:rPr lang="en-US" b="0" i="1" smtClean="0">
-                        <a:latin typeface="Cambria Math" panose="02040503050406030204" pitchFamily="18" charset="0"/>
-                      </a:rPr>
-                      <m:t>𝑛</m:t>
-                    </m:r>
-                  </m:oMath>
-                </a14:m>
-                <a:r>
-                  <a:rPr lang="en-US" dirty="0"/>
-                  <a:t> is “more impactful” than adding 50, so if </a:t>
-                </a:r>
-                <a14:m>
-                  <m:oMath xmlns:m="http://schemas.openxmlformats.org/officeDocument/2006/math">
-                    <m:sSub>
-                      <m:sSubPr>
-                        <m:ctrlPr>
-                          <a:rPr lang="en-US" b="0" i="1" smtClean="0">
-                            <a:latin typeface="Cambria Math" panose="02040503050406030204" pitchFamily="18" charset="0"/>
-                          </a:rPr>
-                        </m:ctrlPr>
-                      </m:sSubPr>
-                      <m:e>
-                        <m:r>
-                          <a:rPr lang="en-US" b="0" i="1" smtClean="0">
-                            <a:latin typeface="Cambria Math" panose="02040503050406030204" pitchFamily="18" charset="0"/>
-                          </a:rPr>
-                          <m:t>𝑛</m:t>
-                        </m:r>
-                      </m:e>
-                      <m:sub>
-                        <m:r>
-                          <a:rPr lang="en-US" b="0" i="1" smtClean="0">
-                            <a:latin typeface="Cambria Math" panose="02040503050406030204" pitchFamily="18" charset="0"/>
-                          </a:rPr>
-                          <m:t>0</m:t>
-                        </m:r>
-                      </m:sub>
-                    </m:sSub>
-                    <m:r>
-                      <a:rPr lang="en-US" b="0" i="1" smtClean="0">
-                        <a:latin typeface="Cambria Math" panose="02040503050406030204" pitchFamily="18" charset="0"/>
-                      </a:rPr>
-                      <m:t>=50</m:t>
-                    </m:r>
-                  </m:oMath>
-                </a14:m>
-                <a:r>
-                  <a:rPr lang="en-US" dirty="0"/>
-                  <a:t> we can pick any value of </a:t>
-                </a:r>
-                <a14:m>
-                  <m:oMath xmlns:m="http://schemas.openxmlformats.org/officeDocument/2006/math">
-                    <m:r>
-                      <a:rPr lang="en-US" b="0" i="1" smtClean="0">
-                        <a:latin typeface="Cambria Math" panose="02040503050406030204" pitchFamily="18" charset="0"/>
-                      </a:rPr>
-                      <m:t>𝑐</m:t>
-                    </m:r>
-                    <m:r>
-                      <a:rPr lang="en-US" b="0" i="1" smtClean="0">
-                        <a:latin typeface="Cambria Math" panose="02040503050406030204" pitchFamily="18" charset="0"/>
-                      </a:rPr>
-                      <m:t>≤12</m:t>
-                    </m:r>
-                  </m:oMath>
-                </a14:m>
-                <a:r>
-                  <a:rPr lang="en-US" dirty="0"/>
-                  <a:t>.</a:t>
-                </a:r>
+                <a:endParaRPr lang="en-US" dirty="0"/>
               </a:p>
             </p:txBody>
           </p:sp>

--- a/demo_site/files/slides/lecture4_analysis2_pqs.pptx
+++ b/demo_site/files/slides/lecture4_analysis2_pqs.pptx
@@ -236,7 +236,7 @@
           <a:p>
             <a:fld id="{E70D1F59-0C63-44D8-BE72-2266A9516CA1}" type="datetimeFigureOut">
               <a:rPr lang="en-US" smtClean="0"/>
-              <a:t>1/11/2026</a:t>
+              <a:t>1/12/2026</a:t>
             </a:fld>
             <a:endParaRPr lang="en-US"/>
           </a:p>
@@ -734,7 +734,7 @@
           <a:p>
             <a:fld id="{2DB93FBE-67AC-4C5C-B62E-CFFDEAF9BE53}" type="datetimeFigureOut">
               <a:rPr lang="en-US" smtClean="0"/>
-              <a:t>1/11/2026</a:t>
+              <a:t>1/12/2026</a:t>
             </a:fld>
             <a:endParaRPr lang="en-US"/>
           </a:p>
@@ -932,7 +932,7 @@
           <a:p>
             <a:fld id="{2DB93FBE-67AC-4C5C-B62E-CFFDEAF9BE53}" type="datetimeFigureOut">
               <a:rPr lang="en-US" smtClean="0"/>
-              <a:t>1/11/2026</a:t>
+              <a:t>1/12/2026</a:t>
             </a:fld>
             <a:endParaRPr lang="en-US"/>
           </a:p>
@@ -1140,7 +1140,7 @@
           <a:p>
             <a:fld id="{2DB93FBE-67AC-4C5C-B62E-CFFDEAF9BE53}" type="datetimeFigureOut">
               <a:rPr lang="en-US" smtClean="0"/>
-              <a:t>1/11/2026</a:t>
+              <a:t>1/12/2026</a:t>
             </a:fld>
             <a:endParaRPr lang="en-US"/>
           </a:p>
@@ -1338,7 +1338,7 @@
           <a:p>
             <a:fld id="{2DB93FBE-67AC-4C5C-B62E-CFFDEAF9BE53}" type="datetimeFigureOut">
               <a:rPr lang="en-US" smtClean="0"/>
-              <a:t>1/11/2026</a:t>
+              <a:t>1/12/2026</a:t>
             </a:fld>
             <a:endParaRPr lang="en-US"/>
           </a:p>
@@ -1613,7 +1613,7 @@
           <a:p>
             <a:fld id="{2DB93FBE-67AC-4C5C-B62E-CFFDEAF9BE53}" type="datetimeFigureOut">
               <a:rPr lang="en-US" smtClean="0"/>
-              <a:t>1/11/2026</a:t>
+              <a:t>1/12/2026</a:t>
             </a:fld>
             <a:endParaRPr lang="en-US"/>
           </a:p>
@@ -1878,7 +1878,7 @@
           <a:p>
             <a:fld id="{2DB93FBE-67AC-4C5C-B62E-CFFDEAF9BE53}" type="datetimeFigureOut">
               <a:rPr lang="en-US" smtClean="0"/>
-              <a:t>1/11/2026</a:t>
+              <a:t>1/12/2026</a:t>
             </a:fld>
             <a:endParaRPr lang="en-US"/>
           </a:p>
@@ -2290,7 +2290,7 @@
           <a:p>
             <a:fld id="{2DB93FBE-67AC-4C5C-B62E-CFFDEAF9BE53}" type="datetimeFigureOut">
               <a:rPr lang="en-US" smtClean="0"/>
-              <a:t>1/11/2026</a:t>
+              <a:t>1/12/2026</a:t>
             </a:fld>
             <a:endParaRPr lang="en-US"/>
           </a:p>
@@ -2431,7 +2431,7 @@
           <a:p>
             <a:fld id="{2DB93FBE-67AC-4C5C-B62E-CFFDEAF9BE53}" type="datetimeFigureOut">
               <a:rPr lang="en-US" smtClean="0"/>
-              <a:t>1/11/2026</a:t>
+              <a:t>1/12/2026</a:t>
             </a:fld>
             <a:endParaRPr lang="en-US"/>
           </a:p>
@@ -2544,7 +2544,7 @@
           <a:p>
             <a:fld id="{2DB93FBE-67AC-4C5C-B62E-CFFDEAF9BE53}" type="datetimeFigureOut">
               <a:rPr lang="en-US" smtClean="0"/>
-              <a:t>1/11/2026</a:t>
+              <a:t>1/12/2026</a:t>
             </a:fld>
             <a:endParaRPr lang="en-US"/>
           </a:p>
@@ -2855,7 +2855,7 @@
           <a:p>
             <a:fld id="{2DB93FBE-67AC-4C5C-B62E-CFFDEAF9BE53}" type="datetimeFigureOut">
               <a:rPr lang="en-US" smtClean="0"/>
-              <a:t>1/11/2026</a:t>
+              <a:t>1/12/2026</a:t>
             </a:fld>
             <a:endParaRPr lang="en-US"/>
           </a:p>
@@ -3143,7 +3143,7 @@
           <a:p>
             <a:fld id="{2DB93FBE-67AC-4C5C-B62E-CFFDEAF9BE53}" type="datetimeFigureOut">
               <a:rPr lang="en-US" smtClean="0"/>
-              <a:t>1/11/2026</a:t>
+              <a:t>1/12/2026</a:t>
             </a:fld>
             <a:endParaRPr lang="en-US"/>
           </a:p>
@@ -3384,7 +3384,7 @@
           <a:p>
             <a:fld id="{2DB93FBE-67AC-4C5C-B62E-CFFDEAF9BE53}" type="datetimeFigureOut">
               <a:rPr lang="en-US" smtClean="0"/>
-              <a:t>1/11/2026</a:t>
+              <a:t>1/12/2026</a:t>
             </a:fld>
             <a:endParaRPr lang="en-US"/>
           </a:p>
@@ -3933,8 +3933,8 @@
           </a:p>
         </p:txBody>
       </p:sp>
-      <mc:AlternateContent xmlns:mc="http://schemas.openxmlformats.org/markup-compatibility/2006">
-        <mc:Choice xmlns:a14="http://schemas.microsoft.com/office/drawing/2010/main" Requires="a14">
+      <mc:AlternateContent xmlns:mc="http://schemas.openxmlformats.org/markup-compatibility/2006" xmlns:a14="http://schemas.microsoft.com/office/drawing/2010/main">
+        <mc:Choice Requires="a14">
           <p:sp>
             <p:nvSpPr>
               <p:cNvPr id="3" name="Content Placeholder 2"/>
@@ -4289,7 +4289,7 @@
             </p:txBody>
           </p:sp>
         </mc:Choice>
-        <mc:Fallback>
+        <mc:Fallback xmlns="">
           <p:sp>
             <p:nvSpPr>
               <p:cNvPr id="3" name="Content Placeholder 2"/>
@@ -7612,7 +7612,7 @@
             </a:r>
             <a:r>
               <a:rPr lang="en-US" dirty="0" err="1"/>
-              <a:t>PQ.deleteMin</a:t>
+              <a:t>PQ.extract</a:t>
             </a:r>
             <a:r>
               <a:rPr lang="en-US" dirty="0"/>
@@ -7629,7 +7629,7 @@
             </a:r>
             <a:r>
               <a:rPr lang="en-US" dirty="0" err="1"/>
-              <a:t>PQ.deleteMin</a:t>
+              <a:t>PQ.extract</a:t>
             </a:r>
             <a:r>
               <a:rPr lang="en-US" dirty="0"/>
@@ -7646,7 +7646,7 @@
             </a:r>
             <a:r>
               <a:rPr lang="en-US" dirty="0" err="1"/>
-              <a:t>PQ.deleteMin</a:t>
+              <a:t>PQ.extract</a:t>
             </a:r>
             <a:r>
               <a:rPr lang="en-US" dirty="0"/>
@@ -7663,7 +7663,7 @@
             </a:r>
             <a:r>
               <a:rPr lang="en-US" dirty="0" err="1"/>
-              <a:t>PQ.deleteMin</a:t>
+              <a:t>PQ.extract</a:t>
             </a:r>
             <a:r>
               <a:rPr lang="en-US" dirty="0"/>
@@ -7680,7 +7680,7 @@
             </a:r>
             <a:r>
               <a:rPr lang="en-US" dirty="0" err="1"/>
-              <a:t>PQ.deleteMin</a:t>
+              <a:t>PQ.extract</a:t>
             </a:r>
             <a:r>
               <a:rPr lang="en-US" dirty="0"/>
@@ -7850,7 +7850,7 @@
             </a:r>
             <a:r>
               <a:rPr lang="en-US" dirty="0" err="1"/>
-              <a:t>PQ.deleteMin</a:t>
+              <a:t>PQ.extract</a:t>
             </a:r>
             <a:r>
               <a:rPr lang="en-US" dirty="0"/>
@@ -7880,7 +7880,7 @@
             </a:r>
             <a:r>
               <a:rPr lang="en-US" dirty="0" err="1"/>
-              <a:t>PQ.deleteMin</a:t>
+              <a:t>PQ.extract</a:t>
             </a:r>
             <a:r>
               <a:rPr lang="en-US" dirty="0"/>
@@ -7897,7 +7897,7 @@
             </a:r>
             <a:r>
               <a:rPr lang="en-US" dirty="0" err="1"/>
-              <a:t>PQ.deleteMin</a:t>
+              <a:t>PQ.extract</a:t>
             </a:r>
             <a:r>
               <a:rPr lang="en-US" dirty="0"/>
@@ -7927,7 +7927,7 @@
             </a:r>
             <a:r>
               <a:rPr lang="en-US" dirty="0" err="1"/>
-              <a:t>PQ.deleteMin</a:t>
+              <a:t>PQ.extract</a:t>
             </a:r>
             <a:r>
               <a:rPr lang="en-US" dirty="0"/>
@@ -7944,7 +7944,7 @@
             </a:r>
             <a:r>
               <a:rPr lang="en-US" dirty="0" err="1"/>
-              <a:t>PQ.deleteMin</a:t>
+              <a:t>PQ.extract</a:t>
             </a:r>
             <a:r>
               <a:rPr lang="en-US" dirty="0"/>
@@ -8674,8 +8674,8 @@
           </a:p>
         </p:txBody>
       </p:sp>
-      <mc:AlternateContent xmlns:mc="http://schemas.openxmlformats.org/markup-compatibility/2006">
-        <mc:Choice xmlns:a14="http://schemas.microsoft.com/office/drawing/2010/main" Requires="a14">
+      <mc:AlternateContent xmlns:mc="http://schemas.openxmlformats.org/markup-compatibility/2006" xmlns:a14="http://schemas.microsoft.com/office/drawing/2010/main">
+        <mc:Choice Requires="a14">
           <p:graphicFrame>
             <p:nvGraphicFramePr>
               <p:cNvPr id="4" name="Content Placeholder 3">
@@ -9327,7 +9327,7 @@
             </a:graphic>
           </p:graphicFrame>
         </mc:Choice>
-        <mc:Fallback>
+        <mc:Fallback xmlns="">
           <p:graphicFrame>
             <p:nvGraphicFramePr>
               <p:cNvPr id="4" name="Content Placeholder 3">
@@ -9814,8 +9814,8 @@
           </a:p>
         </p:txBody>
       </p:sp>
-      <mc:AlternateContent xmlns:mc="http://schemas.openxmlformats.org/markup-compatibility/2006">
-        <mc:Choice xmlns:a14="http://schemas.microsoft.com/office/drawing/2010/main" Requires="a14">
+      <mc:AlternateContent xmlns:mc="http://schemas.openxmlformats.org/markup-compatibility/2006" xmlns:a14="http://schemas.microsoft.com/office/drawing/2010/main">
+        <mc:Choice Requires="a14">
           <p:graphicFrame>
             <p:nvGraphicFramePr>
               <p:cNvPr id="4" name="Content Placeholder 3">
@@ -10644,7 +10644,7 @@
             </a:graphic>
           </p:graphicFrame>
         </mc:Choice>
-        <mc:Fallback>
+        <mc:Fallback xmlns="">
           <p:graphicFrame>
             <p:nvGraphicFramePr>
               <p:cNvPr id="4" name="Content Placeholder 3">
@@ -18281,8 +18281,8 @@
           </a:p>
         </p:txBody>
       </p:sp>
-      <mc:AlternateContent xmlns:mc="http://schemas.openxmlformats.org/markup-compatibility/2006">
-        <mc:Choice xmlns:a14="http://schemas.microsoft.com/office/drawing/2010/main" Requires="a14">
+      <mc:AlternateContent xmlns:mc="http://schemas.openxmlformats.org/markup-compatibility/2006" xmlns:a14="http://schemas.microsoft.com/office/drawing/2010/main">
+        <mc:Choice Requires="a14">
           <p:sp>
             <p:nvSpPr>
               <p:cNvPr id="3" name="Content Placeholder 2"/>
@@ -18563,7 +18563,7 @@
             </p:txBody>
           </p:sp>
         </mc:Choice>
-        <mc:Fallback>
+        <mc:Fallback xmlns="">
           <p:sp>
             <p:nvSpPr>
               <p:cNvPr id="3" name="Content Placeholder 2"/>
@@ -18653,8 +18653,8 @@
           </a:p>
         </p:txBody>
       </p:sp>
-      <mc:AlternateContent xmlns:mc="http://schemas.openxmlformats.org/markup-compatibility/2006">
-        <mc:Choice xmlns:a14="http://schemas.microsoft.com/office/drawing/2010/main" Requires="a14">
+      <mc:AlternateContent xmlns:mc="http://schemas.openxmlformats.org/markup-compatibility/2006" xmlns:a14="http://schemas.microsoft.com/office/drawing/2010/main">
+        <mc:Choice Requires="a14">
           <p:sp>
             <p:nvSpPr>
               <p:cNvPr id="3" name="Content Placeholder 2"/>
@@ -18935,7 +18935,7 @@
             </p:txBody>
           </p:sp>
         </mc:Choice>
-        <mc:Fallback>
+        <mc:Fallback xmlns="">
           <p:sp>
             <p:nvSpPr>
               <p:cNvPr id="3" name="Content Placeholder 2"/>
@@ -19025,8 +19025,8 @@
           </a:p>
         </p:txBody>
       </p:sp>
-      <mc:AlternateContent xmlns:mc="http://schemas.openxmlformats.org/markup-compatibility/2006">
-        <mc:Choice xmlns:a14="http://schemas.microsoft.com/office/drawing/2010/main" Requires="a14">
+      <mc:AlternateContent xmlns:mc="http://schemas.openxmlformats.org/markup-compatibility/2006" xmlns:a14="http://schemas.microsoft.com/office/drawing/2010/main">
+        <mc:Choice Requires="a14">
           <p:sp>
             <p:nvSpPr>
               <p:cNvPr id="3" name="Content Placeholder 2"/>
@@ -19375,7 +19375,7 @@
             </p:txBody>
           </p:sp>
         </mc:Choice>
-        <mc:Fallback>
+        <mc:Fallback xmlns="">
           <p:sp>
             <p:nvSpPr>
               <p:cNvPr id="3" name="Content Placeholder 2"/>
